--- a/Study/05. Package Structure/Package Structure.pptx
+++ b/Study/05. Package Structure/Package Structure.pptx
@@ -8,7 +8,8 @@
     <p:sldId id="256" r:id="rId2"/>
     <p:sldId id="284" r:id="rId3"/>
     <p:sldId id="293" r:id="rId4"/>
-    <p:sldId id="295" r:id="rId5"/>
+    <p:sldId id="297" r:id="rId5"/>
+    <p:sldId id="298" r:id="rId6"/>
   </p:sldIdLst>
   <p:sldSz cx="12192000" cy="6858000"/>
   <p:notesSz cx="6858000" cy="9144000"/>
@@ -6041,106 +6042,12 @@
           </a:p>
         </p:txBody>
       </p:sp>
-      <p:sp>
-        <p:nvSpPr>
-          <p:cNvPr id="6" name="직사각형 5">
+      <p:pic>
+        <p:nvPicPr>
+          <p:cNvPr id="4" name="그림 3">
             <a:extLst>
               <a:ext uri="{FF2B5EF4-FFF2-40B4-BE49-F238E27FC236}">
-                <a16:creationId xmlns:a16="http://schemas.microsoft.com/office/drawing/2014/main" id="{6A60F032-B172-43E0-B147-16329887DE8F}"/>
-              </a:ext>
-            </a:extLst>
-          </p:cNvPr>
-          <p:cNvSpPr/>
-          <p:nvPr/>
-        </p:nvSpPr>
-        <p:spPr>
-          <a:xfrm>
-            <a:off x="7620874" y="2196693"/>
-            <a:ext cx="4470512" cy="1384995"/>
-          </a:xfrm>
-          <a:prstGeom prst="rect">
-            <a:avLst/>
-          </a:prstGeom>
-        </p:spPr>
-        <p:txBody>
-          <a:bodyPr wrap="square">
-            <a:spAutoFit/>
-          </a:bodyPr>
-          <a:lstStyle/>
-          <a:p>
-            <a:pPr marL="285750" indent="-285750">
-              <a:buFontTx/>
-              <a:buChar char="-"/>
-            </a:pPr>
-            <a:r>
-              <a:rPr lang="en-US" altLang="ko-KR" sz="1400" dirty="0" err="1"/>
-              <a:t>WTForms</a:t>
-            </a:r>
-            <a:r>
-              <a:rPr lang="ko-KR" altLang="en-US" sz="1400" dirty="0"/>
-              <a:t>로 작업할 때 </a:t>
-            </a:r>
-            <a:r>
-              <a:rPr lang="en-US" altLang="ko-KR" sz="1400" dirty="0"/>
-              <a:t>class</a:t>
-            </a:r>
-            <a:r>
-              <a:rPr lang="ko-KR" altLang="en-US" sz="1400" dirty="0"/>
-              <a:t>로 먼저 그 </a:t>
-            </a:r>
-            <a:r>
-              <a:rPr lang="en-US" altLang="ko-KR" sz="1400" dirty="0"/>
-              <a:t>forms</a:t>
-            </a:r>
-            <a:r>
-              <a:rPr lang="ko-KR" altLang="en-US" sz="1400" dirty="0"/>
-              <a:t>을 정의 </a:t>
-            </a:r>
-            <a:r>
-              <a:rPr lang="ko-KR" altLang="en-US" sz="1400" dirty="0" err="1"/>
-              <a:t>해야한다</a:t>
-            </a:r>
-            <a:r>
-              <a:rPr lang="en-US" altLang="ko-KR" sz="1400" dirty="0"/>
-              <a:t>.</a:t>
-            </a:r>
-          </a:p>
-          <a:p>
-            <a:pPr marL="285750" indent="-285750">
-              <a:buFontTx/>
-              <a:buChar char="-"/>
-            </a:pPr>
-            <a:r>
-              <a:rPr lang="ko-KR" altLang="en-US" sz="1400" dirty="0"/>
-              <a:t>어플리케이션을 여러 모듈로 쪼개고 </a:t>
-            </a:r>
-            <a:r>
-              <a:rPr lang="en-US" altLang="ko-KR" sz="1400" dirty="0"/>
-              <a:t>form</a:t>
-            </a:r>
-            <a:r>
-              <a:rPr lang="ko-KR" altLang="en-US" sz="1400" dirty="0"/>
-              <a:t>에 대한 분리된 모듈을 추가하는 것이 권고된다</a:t>
-            </a:r>
-            <a:r>
-              <a:rPr lang="en-US" altLang="ko-KR" sz="1400" dirty="0"/>
-              <a:t>.</a:t>
-            </a:r>
-          </a:p>
-          <a:p>
-            <a:endParaRPr lang="en-US" altLang="ko-KR" sz="1400" dirty="0"/>
-          </a:p>
-          <a:p>
-            <a:endParaRPr lang="en-US" altLang="ko-KR" sz="1400" dirty="0"/>
-          </a:p>
-        </p:txBody>
-      </p:sp>
-      <p:pic>
-        <p:nvPicPr>
-          <p:cNvPr id="3" name="그림 2">
-            <a:extLst>
-              <a:ext uri="{FF2B5EF4-FFF2-40B4-BE49-F238E27FC236}">
-                <a16:creationId xmlns:a16="http://schemas.microsoft.com/office/drawing/2014/main" id="{45835982-CC71-4882-8F66-D840FCB8A134}"/>
+                <a16:creationId xmlns:a16="http://schemas.microsoft.com/office/drawing/2014/main" id="{FDD61625-F51C-407F-A383-61651F42C14A}"/>
               </a:ext>
             </a:extLst>
           </p:cNvPr>
@@ -6157,44 +6064,200 @@
         </p:blipFill>
         <p:spPr>
           <a:xfrm>
-            <a:off x="773049" y="1487513"/>
-            <a:ext cx="4867954" cy="3591426"/>
+            <a:off x="5638800" y="1572795"/>
+            <a:ext cx="4386943" cy="5052379"/>
           </a:xfrm>
           <a:prstGeom prst="rect">
             <a:avLst/>
           </a:prstGeom>
         </p:spPr>
       </p:pic>
-      <p:pic>
-        <p:nvPicPr>
-          <p:cNvPr id="4" name="그림 3">
+      <p:sp>
+        <p:nvSpPr>
+          <p:cNvPr id="7" name="직사각형 6">
             <a:extLst>
               <a:ext uri="{FF2B5EF4-FFF2-40B4-BE49-F238E27FC236}">
-                <a16:creationId xmlns:a16="http://schemas.microsoft.com/office/drawing/2014/main" id="{FDD61625-F51C-407F-A383-61651F42C14A}"/>
+                <a16:creationId xmlns:a16="http://schemas.microsoft.com/office/drawing/2014/main" id="{7D21C28D-7175-4B0E-9022-5D3453E14AB5}"/>
               </a:ext>
             </a:extLst>
           </p:cNvPr>
-          <p:cNvPicPr>
-            <a:picLocks noChangeAspect="1"/>
-          </p:cNvPicPr>
+          <p:cNvSpPr/>
           <p:nvPr/>
-        </p:nvPicPr>
-        <p:blipFill>
-          <a:blip r:embed="rId3"/>
-          <a:stretch>
-            <a:fillRect/>
-          </a:stretch>
-        </p:blipFill>
+        </p:nvSpPr>
         <p:spPr>
           <a:xfrm>
-            <a:off x="4400313" y="1476102"/>
-            <a:ext cx="3391373" cy="3905795"/>
+            <a:off x="1126111" y="1653442"/>
+            <a:ext cx="5584358" cy="3631763"/>
           </a:xfrm>
           <a:prstGeom prst="rect">
             <a:avLst/>
           </a:prstGeom>
         </p:spPr>
-      </p:pic>
+        <p:txBody>
+          <a:bodyPr wrap="square">
+            <a:spAutoFit/>
+          </a:bodyPr>
+          <a:lstStyle/>
+          <a:p>
+            <a:r>
+              <a:rPr lang="en-US" altLang="ko-KR" dirty="0"/>
+              <a:t>Flask </a:t>
+            </a:r>
+            <a:r>
+              <a:rPr lang="ko-KR" altLang="en-US" dirty="0"/>
+              <a:t>폴더</a:t>
+            </a:r>
+            <a:br>
+              <a:rPr lang="ko-KR" altLang="en-US" dirty="0"/>
+            </a:br>
+            <a:r>
+              <a:rPr lang="ko-KR" altLang="en-US" dirty="0"/>
+              <a:t>│   ├── </a:t>
+            </a:r>
+            <a:r>
+              <a:rPr lang="en-US" altLang="ko-KR" dirty="0"/>
+              <a:t>templates </a:t>
+            </a:r>
+            <a:br>
+              <a:rPr lang="ko-KR" altLang="en-US" dirty="0"/>
+            </a:br>
+            <a:r>
+              <a:rPr lang="ko-KR" altLang="en-US" dirty="0"/>
+              <a:t>│          ├── </a:t>
+            </a:r>
+            <a:r>
+              <a:rPr lang="en-US" altLang="ko-KR" dirty="0"/>
+              <a:t>about.html</a:t>
+            </a:r>
+            <a:r>
+              <a:rPr lang="ko-KR" altLang="en-US" dirty="0"/>
+              <a:t>                                    </a:t>
+            </a:r>
+            <a:br>
+              <a:rPr lang="ko-KR" altLang="en-US" dirty="0"/>
+            </a:br>
+            <a:r>
+              <a:rPr lang="ko-KR" altLang="en-US" dirty="0"/>
+              <a:t>│          ├── </a:t>
+            </a:r>
+            <a:r>
+              <a:rPr lang="en-US" altLang="ko-KR" dirty="0"/>
+              <a:t>home.html</a:t>
+            </a:r>
+            <a:r>
+              <a:rPr lang="ko-KR" altLang="en-US" dirty="0"/>
+              <a:t>       </a:t>
+            </a:r>
+            <a:br>
+              <a:rPr lang="ko-KR" altLang="en-US" dirty="0"/>
+            </a:br>
+            <a:r>
+              <a:rPr lang="ko-KR" altLang="en-US" dirty="0"/>
+              <a:t>│          ├── </a:t>
+            </a:r>
+            <a:r>
+              <a:rPr lang="en-US" altLang="ko-KR" dirty="0"/>
+              <a:t>layout.html</a:t>
+            </a:r>
+            <a:r>
+              <a:rPr lang="ko-KR" altLang="en-US" dirty="0"/>
+              <a:t> </a:t>
+            </a:r>
+            <a:endParaRPr lang="en-US" altLang="ko-KR" dirty="0"/>
+          </a:p>
+          <a:p>
+            <a:r>
+              <a:rPr lang="ko-KR" altLang="en-US" dirty="0"/>
+              <a:t>│          ├── </a:t>
+            </a:r>
+            <a:r>
+              <a:rPr lang="en-US" altLang="ko-KR" dirty="0"/>
+              <a:t>login.html</a:t>
+            </a:r>
+            <a:r>
+              <a:rPr lang="ko-KR" altLang="en-US" dirty="0"/>
+              <a:t>                                    </a:t>
+            </a:r>
+            <a:endParaRPr lang="en-US" altLang="ko-KR" dirty="0"/>
+          </a:p>
+          <a:p>
+            <a:r>
+              <a:rPr lang="ko-KR" altLang="en-US" dirty="0"/>
+              <a:t>│          ├── </a:t>
+            </a:r>
+            <a:r>
+              <a:rPr lang="en-US" altLang="ko-KR" dirty="0"/>
+              <a:t>register.html</a:t>
+            </a:r>
+            <a:r>
+              <a:rPr lang="ko-KR" altLang="en-US" dirty="0"/>
+              <a:t>                                    </a:t>
+            </a:r>
+            <a:br>
+              <a:rPr lang="ko-KR" altLang="en-US" dirty="0"/>
+            </a:br>
+            <a:r>
+              <a:rPr lang="ko-KR" altLang="en-US" dirty="0"/>
+              <a:t>├── </a:t>
+            </a:r>
+            <a:r>
+              <a:rPr lang="en-US" altLang="ko-KR" dirty="0"/>
+              <a:t>flaskblog.py</a:t>
+            </a:r>
+            <a:r>
+              <a:rPr lang="ko-KR" altLang="en-US" dirty="0"/>
+              <a:t> </a:t>
+            </a:r>
+            <a:r>
+              <a:rPr lang="en-US" altLang="ko-KR" dirty="0"/>
+              <a:t> </a:t>
+            </a:r>
+            <a:r>
+              <a:rPr lang="ko-KR" altLang="en-US" dirty="0"/>
+              <a:t>                                          </a:t>
+            </a:r>
+            <a:br>
+              <a:rPr lang="ko-KR" altLang="en-US" dirty="0"/>
+            </a:br>
+            <a:r>
+              <a:rPr lang="ko-KR" altLang="en-US" dirty="0"/>
+              <a:t>├── </a:t>
+            </a:r>
+            <a:r>
+              <a:rPr lang="en-US" altLang="ko-KR" dirty="0"/>
+              <a:t>forms.py </a:t>
+            </a:r>
+          </a:p>
+          <a:p>
+            <a:r>
+              <a:rPr lang="en-US" altLang="ko-KR" dirty="0"/>
+              <a:t>static </a:t>
+            </a:r>
+            <a:r>
+              <a:rPr lang="ko-KR" altLang="en-US" dirty="0"/>
+              <a:t>폴더</a:t>
+            </a:r>
+            <a:br>
+              <a:rPr lang="ko-KR" altLang="en-US" dirty="0"/>
+            </a:br>
+            <a:r>
+              <a:rPr lang="ko-KR" altLang="en-US" dirty="0"/>
+              <a:t>│   ├── </a:t>
+            </a:r>
+            <a:r>
+              <a:rPr lang="en-US" altLang="ko-KR" dirty="0"/>
+              <a:t>main.css</a:t>
+            </a:r>
+            <a:br>
+              <a:rPr lang="ko-KR" altLang="en-US" dirty="0"/>
+            </a:br>
+            <a:endParaRPr lang="en-US" altLang="ko-KR" dirty="0"/>
+          </a:p>
+          <a:p>
+            <a:endParaRPr lang="en-US" altLang="ko-KR" sz="1400" dirty="0"/>
+          </a:p>
+        </p:txBody>
+      </p:sp>
     </p:spTree>
     <p:extLst>
       <p:ext uri="{BB962C8B-B14F-4D97-AF65-F5344CB8AC3E}">
@@ -6276,7 +6339,7 @@
         <p:spPr>
           <a:xfrm>
             <a:off x="7620874" y="2196693"/>
-            <a:ext cx="4470512" cy="1384995"/>
+            <a:ext cx="4470512" cy="3970318"/>
           </a:xfrm>
           <a:prstGeom prst="rect">
             <a:avLst/>
@@ -6293,32 +6356,12 @@
               <a:buChar char="-"/>
             </a:pPr>
             <a:r>
-              <a:rPr lang="en-US" altLang="ko-KR" sz="1400" dirty="0" err="1"/>
-              <a:t>WTForms</a:t>
+              <a:rPr lang="en-US" altLang="ko-KR" sz="1400" dirty="0"/>
+              <a:t>Flask app</a:t>
             </a:r>
             <a:r>
               <a:rPr lang="ko-KR" altLang="en-US" sz="1400" dirty="0"/>
-              <a:t>로 작업할 때 </a:t>
-            </a:r>
-            <a:r>
-              <a:rPr lang="en-US" altLang="ko-KR" sz="1400" dirty="0"/>
-              <a:t>class</a:t>
-            </a:r>
-            <a:r>
-              <a:rPr lang="ko-KR" altLang="en-US" sz="1400" dirty="0"/>
-              <a:t>로 먼저 그 </a:t>
-            </a:r>
-            <a:r>
-              <a:rPr lang="en-US" altLang="ko-KR" sz="1400" dirty="0"/>
-              <a:t>forms</a:t>
-            </a:r>
-            <a:r>
-              <a:rPr lang="ko-KR" altLang="en-US" sz="1400" dirty="0"/>
-              <a:t>을 정의 </a:t>
-            </a:r>
-            <a:r>
-              <a:rPr lang="ko-KR" altLang="en-US" sz="1400" dirty="0" err="1"/>
-              <a:t>해야한다</a:t>
+              <a:t>은 하나의 파일만으로 충분할 수 있다</a:t>
             </a:r>
             <a:r>
               <a:rPr lang="en-US" altLang="ko-KR" sz="1400" dirty="0"/>
@@ -6332,15 +6375,7 @@
             </a:pPr>
             <a:r>
               <a:rPr lang="ko-KR" altLang="en-US" sz="1400" dirty="0"/>
-              <a:t>어플리케이션을 여러 모듈로 쪼개고 </a:t>
-            </a:r>
-            <a:r>
-              <a:rPr lang="en-US" altLang="ko-KR" sz="1400" dirty="0"/>
-              <a:t>form</a:t>
-            </a:r>
-            <a:r>
-              <a:rPr lang="ko-KR" altLang="en-US" sz="1400" dirty="0"/>
-              <a:t>에 대한 분리된 모듈을 추가하는 것이 권고된다</a:t>
+              <a:t>하지만 큰 프로젝트의 경우 모든 코드를 파일 하나에 넣기에는 불편</a:t>
             </a:r>
             <a:r>
               <a:rPr lang="en-US" altLang="ko-KR" sz="1400" dirty="0"/>
@@ -6348,19 +6383,318 @@
             </a:r>
           </a:p>
           <a:p>
+            <a:pPr marL="285750" indent="-285750">
+              <a:buFontTx/>
+              <a:buChar char="-"/>
+            </a:pPr>
+            <a:r>
+              <a:rPr lang="ko-KR" altLang="en-US" sz="1400" dirty="0"/>
+              <a:t>그래서 코드 및 각종 기능들을 </a:t>
+            </a:r>
+            <a:r>
+              <a:rPr lang="ko-KR" altLang="en-US" sz="1400" dirty="0" err="1"/>
+              <a:t>짜임새있게</a:t>
+            </a:r>
+            <a:r>
+              <a:rPr lang="ko-KR" altLang="en-US" sz="1400" dirty="0"/>
+              <a:t> 관리하기 위해 </a:t>
+            </a:r>
+            <a:r>
+              <a:rPr lang="en-US" altLang="ko-KR" sz="1400" dirty="0"/>
+              <a:t>package</a:t>
+            </a:r>
+            <a:r>
+              <a:rPr lang="ko-KR" altLang="en-US" sz="1400" dirty="0"/>
+              <a:t>를 활용</a:t>
+            </a:r>
             <a:endParaRPr lang="en-US" altLang="ko-KR" sz="1400" dirty="0"/>
           </a:p>
           <a:p>
+            <a:pPr marL="285750" indent="-285750">
+              <a:buFontTx/>
+              <a:buChar char="-"/>
+            </a:pPr>
             <a:endParaRPr lang="en-US" altLang="ko-KR" sz="1400" dirty="0"/>
+          </a:p>
+          <a:p>
+            <a:pPr marL="285750" indent="-285750">
+              <a:buFontTx/>
+              <a:buChar char="-"/>
+            </a:pPr>
+            <a:r>
+              <a:rPr lang="ko-KR" altLang="en-US" sz="1400" dirty="0"/>
+              <a:t>작은 </a:t>
+            </a:r>
+            <a:r>
+              <a:rPr lang="en-US" altLang="ko-KR" sz="1400" dirty="0"/>
+              <a:t>application</a:t>
+            </a:r>
+            <a:r>
+              <a:rPr lang="ko-KR" altLang="en-US" sz="1400" dirty="0"/>
+              <a:t>을 큰 </a:t>
+            </a:r>
+            <a:r>
+              <a:rPr lang="en-US" altLang="ko-KR" sz="1400" dirty="0"/>
+              <a:t>application </a:t>
+            </a:r>
+            <a:r>
+              <a:rPr lang="ko-KR" altLang="en-US" sz="1400" dirty="0"/>
+              <a:t>구조로 변환하기 위해서</a:t>
+            </a:r>
+            <a:r>
+              <a:rPr lang="en-US" altLang="ko-KR" sz="1400" dirty="0"/>
+              <a:t>, </a:t>
+            </a:r>
+            <a:r>
+              <a:rPr lang="ko-KR" altLang="en-US" sz="1400" dirty="0"/>
+              <a:t>단지 기존에 존재하던 폴더에 새 폴더 </a:t>
+            </a:r>
+            <a:r>
+              <a:rPr lang="en-US" altLang="ko-KR" sz="1400" dirty="0" err="1"/>
+              <a:t>yourapplication</a:t>
+            </a:r>
+            <a:r>
+              <a:rPr lang="en-US" altLang="ko-KR" sz="1400" dirty="0"/>
+              <a:t> </a:t>
+            </a:r>
+            <a:r>
+              <a:rPr lang="ko-KR" altLang="en-US" sz="1400" dirty="0"/>
+              <a:t>을 생성하고 이 폴더로 모두 옮긴다</a:t>
+            </a:r>
+            <a:r>
+              <a:rPr lang="en-US" altLang="ko-KR" sz="1400" dirty="0"/>
+              <a:t>.</a:t>
+            </a:r>
+          </a:p>
+          <a:p>
+            <a:pPr marL="285750" indent="-285750">
+              <a:buFontTx/>
+              <a:buChar char="-"/>
+            </a:pPr>
+            <a:r>
+              <a:rPr lang="ko-KR" altLang="en-US" sz="1400" dirty="0"/>
+              <a:t>기존 </a:t>
+            </a:r>
+            <a:r>
+              <a:rPr lang="en-US" altLang="ko-KR" sz="1400" dirty="0"/>
+              <a:t>yourapplication.py</a:t>
+            </a:r>
+            <a:r>
+              <a:rPr lang="ko-KR" altLang="en-US" sz="1400" dirty="0"/>
+              <a:t>를 </a:t>
+            </a:r>
+            <a:r>
+              <a:rPr lang="en-US" altLang="ko-KR" sz="1400" dirty="0"/>
+              <a:t>__init__.py</a:t>
+            </a:r>
+            <a:r>
+              <a:rPr lang="ko-KR" altLang="en-US" sz="1400" dirty="0"/>
+              <a:t>로 이름을 바꾼다</a:t>
+            </a:r>
+            <a:r>
+              <a:rPr lang="en-US" altLang="ko-KR" sz="1400" dirty="0"/>
+              <a:t>.</a:t>
+            </a:r>
+          </a:p>
+          <a:p>
+            <a:pPr marL="285750" indent="-285750">
+              <a:buFontTx/>
+              <a:buChar char="-"/>
+            </a:pPr>
+            <a:endParaRPr lang="en-US" altLang="ko-KR" sz="1400" dirty="0"/>
+          </a:p>
+          <a:p>
+            <a:pPr marL="285750" indent="-285750">
+              <a:buFontTx/>
+              <a:buChar char="-"/>
+            </a:pPr>
+            <a:r>
+              <a:rPr lang="en-US" altLang="ko-KR" sz="1400" dirty="0"/>
+              <a:t>Runserver.py</a:t>
+            </a:r>
+            <a:r>
+              <a:rPr lang="ko-KR" altLang="en-US" sz="1400" dirty="0"/>
+              <a:t> 새로운 파일을 루트 폴더 바로 아래 있는 </a:t>
+            </a:r>
+            <a:r>
+              <a:rPr lang="en-US" altLang="ko-KR" sz="1400" dirty="0" err="1"/>
+              <a:t>yourapplication</a:t>
+            </a:r>
+            <a:r>
+              <a:rPr lang="en-US" altLang="ko-KR" sz="1400" dirty="0"/>
+              <a:t> </a:t>
+            </a:r>
+            <a:r>
+              <a:rPr lang="ko-KR" altLang="en-US" sz="1400" dirty="0"/>
+              <a:t>폴더 안에 추가하면 된다</a:t>
+            </a:r>
+            <a:r>
+              <a:rPr lang="en-US" altLang="ko-KR" sz="1400" dirty="0"/>
+              <a:t>.</a:t>
+            </a:r>
+          </a:p>
+          <a:p>
+            <a:pPr marL="285750" indent="-285750">
+              <a:buFontTx/>
+              <a:buChar char="-"/>
+            </a:pPr>
+            <a:endParaRPr lang="en-US" altLang="ko-KR" sz="1400" dirty="0"/>
+          </a:p>
+          <a:p>
+            <a:pPr marL="285750" indent="-285750">
+              <a:buFontTx/>
+              <a:buChar char="-"/>
+            </a:pPr>
+            <a:r>
+              <a:rPr lang="ko-KR" altLang="en-US" sz="1400" dirty="0"/>
+              <a:t>그리고 </a:t>
+            </a:r>
+            <a:r>
+              <a:rPr lang="en-US" altLang="ko-KR" sz="1400" dirty="0"/>
+              <a:t>from </a:t>
+            </a:r>
+            <a:r>
+              <a:rPr lang="en-US" altLang="ko-KR" sz="1400" dirty="0" err="1"/>
+              <a:t>yourapplication</a:t>
+            </a:r>
+            <a:r>
+              <a:rPr lang="en-US" altLang="ko-KR" sz="1400" dirty="0"/>
+              <a:t> import app </a:t>
+            </a:r>
+          </a:p>
+          <a:p>
+            <a:pPr marL="285750" indent="-285750">
+              <a:buFontTx/>
+              <a:buChar char="-"/>
+            </a:pPr>
+            <a:r>
+              <a:rPr lang="en-US" altLang="ko-KR" sz="1400" dirty="0"/>
+              <a:t>Import</a:t>
+            </a:r>
+            <a:r>
+              <a:rPr lang="ko-KR" altLang="en-US" sz="1400" dirty="0"/>
+              <a:t>만 해주면 된다</a:t>
+            </a:r>
+            <a:r>
+              <a:rPr lang="en-US" altLang="ko-KR" sz="1400" dirty="0"/>
+              <a:t>.</a:t>
+            </a:r>
+          </a:p>
+        </p:txBody>
+      </p:sp>
+      <p:sp>
+        <p:nvSpPr>
+          <p:cNvPr id="7" name="제목 1">
+            <a:extLst>
+              <a:ext uri="{FF2B5EF4-FFF2-40B4-BE49-F238E27FC236}">
+                <a16:creationId xmlns:a16="http://schemas.microsoft.com/office/drawing/2014/main" id="{9DE29AFC-F13A-41F1-B9E2-2E2D4433DAF8}"/>
+              </a:ext>
+            </a:extLst>
+          </p:cNvPr>
+          <p:cNvSpPr txBox="1">
+            <a:spLocks/>
+          </p:cNvSpPr>
+          <p:nvPr/>
+        </p:nvSpPr>
+        <p:spPr>
+          <a:xfrm>
+            <a:off x="1307647" y="1180730"/>
+            <a:ext cx="8022783" cy="436518"/>
+          </a:xfrm>
+          <a:prstGeom prst="rect">
+            <a:avLst/>
+          </a:prstGeom>
+        </p:spPr>
+        <p:txBody>
+          <a:bodyPr vert="horz" lIns="91440" tIns="45720" rIns="91440" bIns="45720" rtlCol="0" anchor="t">
+            <a:normAutofit lnSpcReduction="10000"/>
+          </a:bodyPr>
+          <a:lstStyle>
+            <a:lvl1pPr algn="l" defTabSz="457200" rtl="0" eaLnBrk="1" latinLnBrk="1" hangingPunct="1">
+              <a:spcBef>
+                <a:spcPct val="0"/>
+              </a:spcBef>
+              <a:buNone/>
+              <a:defRPr sz="3600" kern="1200">
+                <a:solidFill>
+                  <a:schemeClr val="accent1"/>
+                </a:solidFill>
+                <a:latin typeface="+mj-lt"/>
+                <a:ea typeface="+mj-ea"/>
+                <a:cs typeface="+mj-cs"/>
+              </a:defRPr>
+            </a:lvl1pPr>
+            <a:lvl2pPr eaLnBrk="1" latinLnBrk="1" hangingPunct="1">
+              <a:defRPr>
+                <a:solidFill>
+                  <a:schemeClr val="tx2"/>
+                </a:solidFill>
+              </a:defRPr>
+            </a:lvl2pPr>
+            <a:lvl3pPr eaLnBrk="1" latinLnBrk="1" hangingPunct="1">
+              <a:defRPr>
+                <a:solidFill>
+                  <a:schemeClr val="tx2"/>
+                </a:solidFill>
+              </a:defRPr>
+            </a:lvl3pPr>
+            <a:lvl4pPr eaLnBrk="1" latinLnBrk="1" hangingPunct="1">
+              <a:defRPr>
+                <a:solidFill>
+                  <a:schemeClr val="tx2"/>
+                </a:solidFill>
+              </a:defRPr>
+            </a:lvl4pPr>
+            <a:lvl5pPr eaLnBrk="1" latinLnBrk="1" hangingPunct="1">
+              <a:defRPr>
+                <a:solidFill>
+                  <a:schemeClr val="tx2"/>
+                </a:solidFill>
+              </a:defRPr>
+            </a:lvl5pPr>
+            <a:lvl6pPr eaLnBrk="1" latinLnBrk="1" hangingPunct="1">
+              <a:defRPr>
+                <a:solidFill>
+                  <a:schemeClr val="tx2"/>
+                </a:solidFill>
+              </a:defRPr>
+            </a:lvl6pPr>
+            <a:lvl7pPr eaLnBrk="1" latinLnBrk="1" hangingPunct="1">
+              <a:defRPr>
+                <a:solidFill>
+                  <a:schemeClr val="tx2"/>
+                </a:solidFill>
+              </a:defRPr>
+            </a:lvl7pPr>
+            <a:lvl8pPr eaLnBrk="1" latinLnBrk="1" hangingPunct="1">
+              <a:defRPr>
+                <a:solidFill>
+                  <a:schemeClr val="tx2"/>
+                </a:solidFill>
+              </a:defRPr>
+            </a:lvl8pPr>
+            <a:lvl9pPr eaLnBrk="1" latinLnBrk="1" hangingPunct="1">
+              <a:defRPr>
+                <a:solidFill>
+                  <a:schemeClr val="tx2"/>
+                </a:solidFill>
+              </a:defRPr>
+            </a:lvl9pPr>
+          </a:lstStyle>
+          <a:p>
+            <a:r>
+              <a:rPr lang="en-US" altLang="ko-KR" sz="2400" dirty="0"/>
+              <a:t>Package structure</a:t>
+            </a:r>
           </a:p>
         </p:txBody>
       </p:sp>
       <p:pic>
         <p:nvPicPr>
-          <p:cNvPr id="3" name="그림 2">
+          <p:cNvPr id="8" name="그림 7">
             <a:extLst>
               <a:ext uri="{FF2B5EF4-FFF2-40B4-BE49-F238E27FC236}">
-                <a16:creationId xmlns:a16="http://schemas.microsoft.com/office/drawing/2014/main" id="{45835982-CC71-4882-8F66-D840FCB8A134}"/>
+                <a16:creationId xmlns:a16="http://schemas.microsoft.com/office/drawing/2014/main" id="{B3953815-E3E6-40B0-B5EF-FFFEFA3F767C}"/>
               </a:ext>
             </a:extLst>
           </p:cNvPr>
@@ -6377,8 +6711,774 @@
         </p:blipFill>
         <p:spPr>
           <a:xfrm>
-            <a:off x="773049" y="1487513"/>
-            <a:ext cx="4867954" cy="3591426"/>
+            <a:off x="677334" y="1973373"/>
+            <a:ext cx="2952677" cy="2375337"/>
+          </a:xfrm>
+          <a:prstGeom prst="rect">
+            <a:avLst/>
+          </a:prstGeom>
+        </p:spPr>
+      </p:pic>
+      <p:pic>
+        <p:nvPicPr>
+          <p:cNvPr id="9" name="그림 8">
+            <a:extLst>
+              <a:ext uri="{FF2B5EF4-FFF2-40B4-BE49-F238E27FC236}">
+                <a16:creationId xmlns:a16="http://schemas.microsoft.com/office/drawing/2014/main" id="{2F7B2AF2-461A-4501-BCC4-EDAED3A11151}"/>
+              </a:ext>
+            </a:extLst>
+          </p:cNvPr>
+          <p:cNvPicPr>
+            <a:picLocks noChangeAspect="1"/>
+          </p:cNvPicPr>
+          <p:nvPr/>
+        </p:nvPicPr>
+        <p:blipFill>
+          <a:blip r:embed="rId3"/>
+          <a:stretch>
+            <a:fillRect/>
+          </a:stretch>
+        </p:blipFill>
+        <p:spPr>
+          <a:xfrm>
+            <a:off x="4343401" y="1880462"/>
+            <a:ext cx="2952676" cy="2561161"/>
+          </a:xfrm>
+          <a:prstGeom prst="rect">
+            <a:avLst/>
+          </a:prstGeom>
+        </p:spPr>
+      </p:pic>
+      <p:pic>
+        <p:nvPicPr>
+          <p:cNvPr id="10" name="그림 9">
+            <a:extLst>
+              <a:ext uri="{FF2B5EF4-FFF2-40B4-BE49-F238E27FC236}">
+                <a16:creationId xmlns:a16="http://schemas.microsoft.com/office/drawing/2014/main" id="{5E82F6AD-FF84-4414-936B-FDD7DEEB3EA4}"/>
+              </a:ext>
+            </a:extLst>
+          </p:cNvPr>
+          <p:cNvPicPr>
+            <a:picLocks noChangeAspect="1"/>
+          </p:cNvPicPr>
+          <p:nvPr/>
+        </p:nvPicPr>
+        <p:blipFill>
+          <a:blip r:embed="rId4"/>
+          <a:stretch>
+            <a:fillRect/>
+          </a:stretch>
+        </p:blipFill>
+        <p:spPr>
+          <a:xfrm>
+            <a:off x="1857981" y="4964521"/>
+            <a:ext cx="4489757" cy="1304079"/>
+          </a:xfrm>
+          <a:prstGeom prst="rect">
+            <a:avLst/>
+          </a:prstGeom>
+        </p:spPr>
+      </p:pic>
+      <p:sp>
+        <p:nvSpPr>
+          <p:cNvPr id="3" name="화살표: 오른쪽 2">
+            <a:extLst>
+              <a:ext uri="{FF2B5EF4-FFF2-40B4-BE49-F238E27FC236}">
+                <a16:creationId xmlns:a16="http://schemas.microsoft.com/office/drawing/2014/main" id="{72A708D5-C683-429E-A2F4-DCC26D5DC55B}"/>
+              </a:ext>
+            </a:extLst>
+          </p:cNvPr>
+          <p:cNvSpPr/>
+          <p:nvPr/>
+        </p:nvSpPr>
+        <p:spPr>
+          <a:xfrm>
+            <a:off x="3630011" y="2792186"/>
+            <a:ext cx="713390" cy="636814"/>
+          </a:xfrm>
+          <a:prstGeom prst="rightArrow">
+            <a:avLst/>
+          </a:prstGeom>
+        </p:spPr>
+        <p:style>
+          <a:lnRef idx="2">
+            <a:schemeClr val="accent1">
+              <a:shade val="50000"/>
+            </a:schemeClr>
+          </a:lnRef>
+          <a:fillRef idx="1">
+            <a:schemeClr val="accent1"/>
+          </a:fillRef>
+          <a:effectRef idx="0">
+            <a:schemeClr val="accent1"/>
+          </a:effectRef>
+          <a:fontRef idx="minor">
+            <a:schemeClr val="lt1"/>
+          </a:fontRef>
+        </p:style>
+        <p:txBody>
+          <a:bodyPr rtlCol="0" anchor="ctr"/>
+          <a:lstStyle/>
+          <a:p>
+            <a:pPr algn="ctr"/>
+            <a:endParaRPr lang="ko-KR" altLang="en-US"/>
+          </a:p>
+        </p:txBody>
+      </p:sp>
+    </p:spTree>
+    <p:extLst>
+      <p:ext uri="{BB962C8B-B14F-4D97-AF65-F5344CB8AC3E}">
+        <p14:creationId xmlns:p14="http://schemas.microsoft.com/office/powerpoint/2010/main" val="2024193961"/>
+      </p:ext>
+    </p:extLst>
+  </p:cSld>
+  <p:clrMapOvr>
+    <a:masterClrMapping/>
+  </p:clrMapOvr>
+</p:sld>
+</file>
+
+<file path=ppt/slides/slide5.xml><?xml version="1.0" encoding="utf-8"?>
+<p:sld xmlns:a="http://schemas.openxmlformats.org/drawingml/2006/main" xmlns:r="http://schemas.openxmlformats.org/officeDocument/2006/relationships" xmlns:p="http://schemas.openxmlformats.org/presentationml/2006/main">
+  <p:cSld>
+    <p:spTree>
+      <p:nvGrpSpPr>
+        <p:cNvPr id="1" name=""/>
+        <p:cNvGrpSpPr/>
+        <p:nvPr/>
+      </p:nvGrpSpPr>
+      <p:grpSpPr>
+        <a:xfrm>
+          <a:off x="0" y="0"/>
+          <a:ext cx="0" cy="0"/>
+          <a:chOff x="0" y="0"/>
+          <a:chExt cx="0" cy="0"/>
+        </a:xfrm>
+      </p:grpSpPr>
+      <p:sp>
+        <p:nvSpPr>
+          <p:cNvPr id="2" name="제목 1">
+            <a:extLst>
+              <a:ext uri="{FF2B5EF4-FFF2-40B4-BE49-F238E27FC236}">
+                <a16:creationId xmlns:a16="http://schemas.microsoft.com/office/drawing/2014/main" id="{2EC833C6-FAC3-442B-803D-3FB02DF07980}"/>
+              </a:ext>
+            </a:extLst>
+          </p:cNvPr>
+          <p:cNvSpPr>
+            <a:spLocks noGrp="1"/>
+          </p:cNvSpPr>
+          <p:nvPr>
+            <p:ph type="title"/>
+          </p:nvPr>
+        </p:nvSpPr>
+        <p:spPr>
+          <a:xfrm>
+            <a:off x="677334" y="609600"/>
+            <a:ext cx="8596668" cy="517864"/>
+          </a:xfrm>
+        </p:spPr>
+        <p:txBody>
+          <a:bodyPr>
+            <a:normAutofit fontScale="90000"/>
+          </a:bodyPr>
+          <a:lstStyle/>
+          <a:p>
+            <a:r>
+              <a:rPr lang="en-US" altLang="ko-KR" dirty="0"/>
+              <a:t>5. Package Structure</a:t>
+            </a:r>
+            <a:endParaRPr lang="ko-KR" altLang="en-US" dirty="0"/>
+          </a:p>
+        </p:txBody>
+      </p:sp>
+      <p:sp>
+        <p:nvSpPr>
+          <p:cNvPr id="6" name="직사각형 5">
+            <a:extLst>
+              <a:ext uri="{FF2B5EF4-FFF2-40B4-BE49-F238E27FC236}">
+                <a16:creationId xmlns:a16="http://schemas.microsoft.com/office/drawing/2014/main" id="{6A60F032-B172-43E0-B147-16329887DE8F}"/>
+              </a:ext>
+            </a:extLst>
+          </p:cNvPr>
+          <p:cNvSpPr/>
+          <p:nvPr/>
+        </p:nvSpPr>
+        <p:spPr>
+          <a:xfrm>
+            <a:off x="7620874" y="1837463"/>
+            <a:ext cx="4470512" cy="4832092"/>
+          </a:xfrm>
+          <a:prstGeom prst="rect">
+            <a:avLst/>
+          </a:prstGeom>
+        </p:spPr>
+        <p:txBody>
+          <a:bodyPr wrap="square">
+            <a:spAutoFit/>
+          </a:bodyPr>
+          <a:lstStyle/>
+          <a:p>
+            <a:pPr marL="285750" indent="-285750">
+              <a:buFontTx/>
+              <a:buChar char="-"/>
+            </a:pPr>
+            <a:r>
+              <a:rPr lang="ko-KR" altLang="en-US" sz="1400" dirty="0"/>
+              <a:t>이렇게 바꾸면 </a:t>
+            </a:r>
+            <a:r>
+              <a:rPr lang="ko-KR" altLang="en-US" sz="1400" dirty="0" err="1"/>
+              <a:t>좋은점은</a:t>
+            </a:r>
+            <a:r>
+              <a:rPr lang="en-US" altLang="ko-KR" sz="1400" dirty="0"/>
+              <a:t>?</a:t>
+            </a:r>
+          </a:p>
+          <a:p>
+            <a:pPr marL="285750" indent="-285750">
+              <a:buFontTx/>
+              <a:buChar char="-"/>
+            </a:pPr>
+            <a:r>
+              <a:rPr lang="ko-KR" altLang="en-US" sz="1400" dirty="0"/>
+              <a:t>어플리케이션을 복개의 모듈들로 재구조화 가능</a:t>
+            </a:r>
+            <a:endParaRPr lang="en-US" altLang="ko-KR" sz="1400" dirty="0"/>
+          </a:p>
+          <a:p>
+            <a:pPr marL="285750" indent="-285750">
+              <a:buFontTx/>
+              <a:buChar char="-"/>
+            </a:pPr>
+            <a:r>
+              <a:rPr lang="en-US" altLang="ko-KR" sz="1400" dirty="0"/>
+              <a:t>Flask </a:t>
+            </a:r>
+            <a:r>
+              <a:rPr lang="ko-KR" altLang="en-US" sz="1400" dirty="0"/>
+              <a:t>어플리케이션 객체 생성은 </a:t>
+            </a:r>
+            <a:r>
+              <a:rPr lang="en-US" altLang="ko-KR" sz="1400" dirty="0"/>
+              <a:t>__</a:t>
+            </a:r>
+            <a:r>
+              <a:rPr lang="en-US" altLang="ko-KR" sz="1400" dirty="0" err="1"/>
+              <a:t>init</a:t>
+            </a:r>
+            <a:r>
+              <a:rPr lang="en-US" altLang="ko-KR" sz="1400" dirty="0"/>
+              <a:t>__ </a:t>
+            </a:r>
+            <a:r>
+              <a:rPr lang="ko-KR" altLang="en-US" sz="1400" dirty="0"/>
+              <a:t>파일에서</a:t>
+            </a:r>
+            <a:endParaRPr lang="en-US" altLang="ko-KR" sz="1400" dirty="0"/>
+          </a:p>
+          <a:p>
+            <a:pPr marL="285750" indent="-285750">
+              <a:buFontTx/>
+              <a:buChar char="-"/>
+            </a:pPr>
+            <a:r>
+              <a:rPr lang="ko-KR" altLang="en-US" sz="1400" dirty="0"/>
+              <a:t>모든 뷰 함수들은 함수의 </a:t>
+            </a:r>
+            <a:r>
+              <a:rPr lang="ko-KR" altLang="en-US" sz="1400" dirty="0" err="1"/>
+              <a:t>선언부</a:t>
+            </a:r>
+            <a:r>
+              <a:rPr lang="ko-KR" altLang="en-US" sz="1400" dirty="0"/>
+              <a:t> 위에 </a:t>
+            </a:r>
+            <a:r>
+              <a:rPr lang="en-US" altLang="ko-KR" sz="1400" dirty="0"/>
+              <a:t>route() </a:t>
+            </a:r>
+            <a:r>
+              <a:rPr lang="ko-KR" altLang="en-US" sz="1400" dirty="0" err="1"/>
+              <a:t>데코레이터를</a:t>
+            </a:r>
+            <a:r>
+              <a:rPr lang="en-US" altLang="ko-KR" sz="1400" dirty="0"/>
+              <a:t> </a:t>
+            </a:r>
+            <a:r>
+              <a:rPr lang="ko-KR" altLang="en-US" sz="1400" dirty="0"/>
+              <a:t>가진 함수는 </a:t>
+            </a:r>
+            <a:r>
+              <a:rPr lang="en-US" altLang="ko-KR" sz="1400" dirty="0"/>
+              <a:t>__init__.py </a:t>
+            </a:r>
+            <a:r>
+              <a:rPr lang="ko-KR" altLang="en-US" sz="1400" dirty="0"/>
+              <a:t>파일에 </a:t>
+            </a:r>
+            <a:r>
+              <a:rPr lang="en-US" altLang="ko-KR" sz="1400" dirty="0"/>
+              <a:t>import</a:t>
+            </a:r>
+            <a:r>
+              <a:rPr lang="ko-KR" altLang="en-US" sz="1400" dirty="0"/>
+              <a:t> 되어야 한다</a:t>
+            </a:r>
+            <a:r>
+              <a:rPr lang="en-US" altLang="ko-KR" sz="1400" dirty="0"/>
+              <a:t>.</a:t>
+            </a:r>
+          </a:p>
+          <a:p>
+            <a:pPr marL="285750" indent="-285750">
+              <a:buFontTx/>
+              <a:buChar char="-"/>
+            </a:pPr>
+            <a:r>
+              <a:rPr lang="ko-KR" altLang="en-US" sz="1400" dirty="0"/>
+              <a:t>객체가 아닌 함수가 있는 모듈을 </a:t>
+            </a:r>
+            <a:r>
+              <a:rPr lang="en-US" altLang="ko-KR" sz="1400" dirty="0"/>
+              <a:t>import </a:t>
+            </a:r>
+            <a:r>
+              <a:rPr lang="ko-KR" altLang="en-US" sz="1400" dirty="0"/>
+              <a:t>해야함</a:t>
+            </a:r>
+            <a:endParaRPr lang="en-US" altLang="ko-KR" sz="1400" dirty="0"/>
+          </a:p>
+          <a:p>
+            <a:pPr marL="285750" indent="-285750">
+              <a:buFontTx/>
+              <a:buChar char="-"/>
+            </a:pPr>
+            <a:r>
+              <a:rPr lang="ko-KR" altLang="en-US" sz="1400" dirty="0"/>
+              <a:t>어플리케이션 객체를 생성한 후에 뷰 모듈을 </a:t>
+            </a:r>
+            <a:r>
+              <a:rPr lang="en-US" altLang="ko-KR" sz="1400" dirty="0"/>
+              <a:t>import</a:t>
+            </a:r>
+          </a:p>
+          <a:p>
+            <a:pPr marL="285750" indent="-285750">
+              <a:buFontTx/>
+              <a:buChar char="-"/>
+            </a:pPr>
+            <a:endParaRPr lang="en-US" altLang="ko-KR" sz="1400" dirty="0"/>
+          </a:p>
+          <a:p>
+            <a:pPr marL="285750" indent="-285750">
+              <a:buFontTx/>
+              <a:buChar char="-"/>
+            </a:pPr>
+            <a:r>
+              <a:rPr lang="ko-KR" altLang="en-US" sz="1400" dirty="0"/>
+              <a:t>최종구조</a:t>
+            </a:r>
+            <a:endParaRPr lang="en-US" altLang="ko-KR" sz="1400" dirty="0"/>
+          </a:p>
+          <a:p>
+            <a:pPr marL="285750" indent="-285750">
+              <a:buFontTx/>
+              <a:buChar char="-"/>
+            </a:pPr>
+            <a:endParaRPr lang="en-US" altLang="ko-KR" sz="1400" dirty="0"/>
+          </a:p>
+          <a:p>
+            <a:pPr marL="285750" indent="-285750">
+              <a:buFontTx/>
+              <a:buChar char="-"/>
+            </a:pPr>
+            <a:r>
+              <a:rPr lang="ko-KR" altLang="en-US" sz="1400" dirty="0"/>
+              <a:t>순환 </a:t>
+            </a:r>
+            <a:r>
+              <a:rPr lang="ko-KR" altLang="en-US" sz="1400" dirty="0" err="1"/>
+              <a:t>임포트</a:t>
+            </a:r>
+            <a:r>
+              <a:rPr lang="en-US" altLang="ko-KR" sz="1400" dirty="0"/>
+              <a:t>(Circular Imports) :</a:t>
+            </a:r>
+          </a:p>
+          <a:p>
+            <a:pPr marL="285750" indent="-285750">
+              <a:buFontTx/>
+              <a:buChar char="-"/>
+            </a:pPr>
+            <a:r>
+              <a:rPr lang="ko-KR" altLang="en-US" sz="1400" dirty="0"/>
+              <a:t>모든 파이썬 프로그래머는 순환 임포트를 싫어하지만 </a:t>
+            </a:r>
+            <a:r>
+              <a:rPr lang="en-US" altLang="ko-KR" sz="1400" dirty="0"/>
+              <a:t>flask </a:t>
+            </a:r>
+            <a:r>
+              <a:rPr lang="ko-KR" altLang="en-US" sz="1400" dirty="0"/>
+              <a:t>는 일부 사용한다</a:t>
+            </a:r>
+            <a:r>
+              <a:rPr lang="en-US" altLang="ko-KR" sz="1400" dirty="0"/>
+              <a:t>.</a:t>
+            </a:r>
+          </a:p>
+          <a:p>
+            <a:pPr marL="285750" indent="-285750">
+              <a:buFontTx/>
+              <a:buChar char="-"/>
+            </a:pPr>
+            <a:r>
+              <a:rPr lang="ko-KR" altLang="en-US" sz="1400" dirty="0"/>
+              <a:t>순환 임포트는 두 모듈일 서로 의존 관계가 있는 경우인데 </a:t>
+            </a:r>
+            <a:r>
+              <a:rPr lang="en-US" altLang="ko-KR" sz="1400" dirty="0"/>
+              <a:t>views.py </a:t>
+            </a:r>
+            <a:r>
+              <a:rPr lang="ko-KR" altLang="en-US" sz="1400" dirty="0"/>
+              <a:t>는 </a:t>
+            </a:r>
+            <a:r>
+              <a:rPr lang="en-US" altLang="ko-KR" sz="1400" dirty="0"/>
+              <a:t>__init__.py </a:t>
+            </a:r>
+            <a:r>
+              <a:rPr lang="ko-KR" altLang="en-US" sz="1400" dirty="0"/>
+              <a:t>에 의존한다</a:t>
+            </a:r>
+            <a:r>
+              <a:rPr lang="en-US" altLang="ko-KR" sz="1400" dirty="0"/>
+              <a:t>.</a:t>
+            </a:r>
+          </a:p>
+          <a:p>
+            <a:pPr marL="285750" indent="-285750">
+              <a:buFontTx/>
+              <a:buChar char="-"/>
+            </a:pPr>
+            <a:r>
+              <a:rPr lang="en-US" altLang="ko-KR" sz="1400" dirty="0"/>
+              <a:t>Be advised that this is a bad idea in general but here it is actually fine.</a:t>
+            </a:r>
+          </a:p>
+          <a:p>
+            <a:pPr marL="285750" indent="-285750">
+              <a:buFontTx/>
+              <a:buChar char="-"/>
+            </a:pPr>
+            <a:r>
+              <a:rPr lang="ko-KR" altLang="en-US" sz="1400" dirty="0"/>
+              <a:t>왜냐하면 </a:t>
+            </a:r>
+            <a:r>
+              <a:rPr lang="en-US" altLang="ko-KR" sz="1400" dirty="0"/>
+              <a:t>__init__.py </a:t>
+            </a:r>
+            <a:r>
+              <a:rPr lang="ko-KR" altLang="en-US" sz="1400" dirty="0"/>
+              <a:t>에 있는 뷰들은 실제로 사용하지 않고 단지 모듈들이 </a:t>
+            </a:r>
+            <a:r>
+              <a:rPr lang="ko-KR" altLang="en-US" sz="1400" dirty="0" err="1"/>
+              <a:t>임포트되었는지</a:t>
+            </a:r>
+            <a:r>
+              <a:rPr lang="ko-KR" altLang="en-US" sz="1400" dirty="0"/>
+              <a:t> 보장하고 그 파일의 제일 하단에서 임포트하기 때문</a:t>
+            </a:r>
+            <a:endParaRPr lang="en-US" altLang="ko-KR" sz="1400" dirty="0"/>
+          </a:p>
+        </p:txBody>
+      </p:sp>
+      <p:sp>
+        <p:nvSpPr>
+          <p:cNvPr id="7" name="제목 1">
+            <a:extLst>
+              <a:ext uri="{FF2B5EF4-FFF2-40B4-BE49-F238E27FC236}">
+                <a16:creationId xmlns:a16="http://schemas.microsoft.com/office/drawing/2014/main" id="{9DE29AFC-F13A-41F1-B9E2-2E2D4433DAF8}"/>
+              </a:ext>
+            </a:extLst>
+          </p:cNvPr>
+          <p:cNvSpPr txBox="1">
+            <a:spLocks/>
+          </p:cNvSpPr>
+          <p:nvPr/>
+        </p:nvSpPr>
+        <p:spPr>
+          <a:xfrm>
+            <a:off x="1307647" y="1180730"/>
+            <a:ext cx="8022783" cy="436518"/>
+          </a:xfrm>
+          <a:prstGeom prst="rect">
+            <a:avLst/>
+          </a:prstGeom>
+        </p:spPr>
+        <p:txBody>
+          <a:bodyPr vert="horz" lIns="91440" tIns="45720" rIns="91440" bIns="45720" rtlCol="0" anchor="t">
+            <a:normAutofit lnSpcReduction="10000"/>
+          </a:bodyPr>
+          <a:lstStyle>
+            <a:lvl1pPr algn="l" defTabSz="457200" rtl="0" eaLnBrk="1" latinLnBrk="1" hangingPunct="1">
+              <a:spcBef>
+                <a:spcPct val="0"/>
+              </a:spcBef>
+              <a:buNone/>
+              <a:defRPr sz="3600" kern="1200">
+                <a:solidFill>
+                  <a:schemeClr val="accent1"/>
+                </a:solidFill>
+                <a:latin typeface="+mj-lt"/>
+                <a:ea typeface="+mj-ea"/>
+                <a:cs typeface="+mj-cs"/>
+              </a:defRPr>
+            </a:lvl1pPr>
+            <a:lvl2pPr eaLnBrk="1" latinLnBrk="1" hangingPunct="1">
+              <a:defRPr>
+                <a:solidFill>
+                  <a:schemeClr val="tx2"/>
+                </a:solidFill>
+              </a:defRPr>
+            </a:lvl2pPr>
+            <a:lvl3pPr eaLnBrk="1" latinLnBrk="1" hangingPunct="1">
+              <a:defRPr>
+                <a:solidFill>
+                  <a:schemeClr val="tx2"/>
+                </a:solidFill>
+              </a:defRPr>
+            </a:lvl3pPr>
+            <a:lvl4pPr eaLnBrk="1" latinLnBrk="1" hangingPunct="1">
+              <a:defRPr>
+                <a:solidFill>
+                  <a:schemeClr val="tx2"/>
+                </a:solidFill>
+              </a:defRPr>
+            </a:lvl4pPr>
+            <a:lvl5pPr eaLnBrk="1" latinLnBrk="1" hangingPunct="1">
+              <a:defRPr>
+                <a:solidFill>
+                  <a:schemeClr val="tx2"/>
+                </a:solidFill>
+              </a:defRPr>
+            </a:lvl5pPr>
+            <a:lvl6pPr eaLnBrk="1" latinLnBrk="1" hangingPunct="1">
+              <a:defRPr>
+                <a:solidFill>
+                  <a:schemeClr val="tx2"/>
+                </a:solidFill>
+              </a:defRPr>
+            </a:lvl6pPr>
+            <a:lvl7pPr eaLnBrk="1" latinLnBrk="1" hangingPunct="1">
+              <a:defRPr>
+                <a:solidFill>
+                  <a:schemeClr val="tx2"/>
+                </a:solidFill>
+              </a:defRPr>
+            </a:lvl7pPr>
+            <a:lvl8pPr eaLnBrk="1" latinLnBrk="1" hangingPunct="1">
+              <a:defRPr>
+                <a:solidFill>
+                  <a:schemeClr val="tx2"/>
+                </a:solidFill>
+              </a:defRPr>
+            </a:lvl8pPr>
+            <a:lvl9pPr eaLnBrk="1" latinLnBrk="1" hangingPunct="1">
+              <a:defRPr>
+                <a:solidFill>
+                  <a:schemeClr val="tx2"/>
+                </a:solidFill>
+              </a:defRPr>
+            </a:lvl9pPr>
+          </a:lstStyle>
+          <a:p>
+            <a:r>
+              <a:rPr lang="en-US" altLang="ko-KR" sz="2400" dirty="0"/>
+              <a:t>Package structure</a:t>
+            </a:r>
+          </a:p>
+        </p:txBody>
+      </p:sp>
+      <p:grpSp>
+        <p:nvGrpSpPr>
+          <p:cNvPr id="14" name="그룹 13">
+            <a:extLst>
+              <a:ext uri="{FF2B5EF4-FFF2-40B4-BE49-F238E27FC236}">
+                <a16:creationId xmlns:a16="http://schemas.microsoft.com/office/drawing/2014/main" id="{5CFC568D-F7CF-4623-87BA-4209A0920585}"/>
+              </a:ext>
+            </a:extLst>
+          </p:cNvPr>
+          <p:cNvGrpSpPr/>
+          <p:nvPr/>
+        </p:nvGrpSpPr>
+        <p:grpSpPr>
+          <a:xfrm>
+            <a:off x="170492" y="1984673"/>
+            <a:ext cx="4470512" cy="3659725"/>
+            <a:chOff x="905273" y="1984673"/>
+            <a:chExt cx="4470512" cy="3659725"/>
+          </a:xfrm>
+        </p:grpSpPr>
+        <p:pic>
+          <p:nvPicPr>
+            <p:cNvPr id="4" name="그림 3">
+              <a:extLst>
+                <a:ext uri="{FF2B5EF4-FFF2-40B4-BE49-F238E27FC236}">
+                  <a16:creationId xmlns:a16="http://schemas.microsoft.com/office/drawing/2014/main" id="{17F2376C-D7F9-4BE1-B454-D0CC8471DE26}"/>
+                </a:ext>
+              </a:extLst>
+            </p:cNvPr>
+            <p:cNvPicPr>
+              <a:picLocks noChangeAspect="1"/>
+            </p:cNvPicPr>
+            <p:nvPr/>
+          </p:nvPicPr>
+          <p:blipFill>
+            <a:blip r:embed="rId2"/>
+            <a:stretch>
+              <a:fillRect/>
+            </a:stretch>
+          </p:blipFill>
+          <p:spPr>
+            <a:xfrm>
+              <a:off x="905273" y="2292450"/>
+              <a:ext cx="3564898" cy="1250841"/>
+            </a:xfrm>
+            <a:prstGeom prst="rect">
+              <a:avLst/>
+            </a:prstGeom>
+          </p:spPr>
+        </p:pic>
+        <p:pic>
+          <p:nvPicPr>
+            <p:cNvPr id="5" name="그림 4">
+              <a:extLst>
+                <a:ext uri="{FF2B5EF4-FFF2-40B4-BE49-F238E27FC236}">
+                  <a16:creationId xmlns:a16="http://schemas.microsoft.com/office/drawing/2014/main" id="{0FAC26A8-FA6A-44C7-AE67-7DDD1D8829E9}"/>
+                </a:ext>
+              </a:extLst>
+            </p:cNvPr>
+            <p:cNvPicPr>
+              <a:picLocks noChangeAspect="1"/>
+            </p:cNvPicPr>
+            <p:nvPr/>
+          </p:nvPicPr>
+          <p:blipFill>
+            <a:blip r:embed="rId3"/>
+            <a:stretch>
+              <a:fillRect/>
+            </a:stretch>
+          </p:blipFill>
+          <p:spPr>
+            <a:xfrm>
+              <a:off x="905273" y="4174659"/>
+              <a:ext cx="3486720" cy="1469739"/>
+            </a:xfrm>
+            <a:prstGeom prst="rect">
+              <a:avLst/>
+            </a:prstGeom>
+          </p:spPr>
+        </p:pic>
+        <p:sp>
+          <p:nvSpPr>
+            <p:cNvPr id="11" name="직사각형 10">
+              <a:extLst>
+                <a:ext uri="{FF2B5EF4-FFF2-40B4-BE49-F238E27FC236}">
+                  <a16:creationId xmlns:a16="http://schemas.microsoft.com/office/drawing/2014/main" id="{A23E229C-F136-4748-B7AA-A872C99E7F46}"/>
+                </a:ext>
+              </a:extLst>
+            </p:cNvPr>
+            <p:cNvSpPr/>
+            <p:nvPr/>
+          </p:nvSpPr>
+          <p:spPr>
+            <a:xfrm>
+              <a:off x="905273" y="1984673"/>
+              <a:ext cx="4470512" cy="307777"/>
+            </a:xfrm>
+            <a:prstGeom prst="rect">
+              <a:avLst/>
+            </a:prstGeom>
+          </p:spPr>
+          <p:txBody>
+            <a:bodyPr wrap="square">
+              <a:spAutoFit/>
+            </a:bodyPr>
+            <a:lstStyle/>
+            <a:p>
+              <a:r>
+                <a:rPr lang="en-US" altLang="ko-KR" sz="1400"/>
+                <a:t>__init__.py</a:t>
+              </a:r>
+              <a:endParaRPr lang="en-US" altLang="ko-KR" sz="1400" dirty="0"/>
+            </a:p>
+          </p:txBody>
+        </p:sp>
+        <p:sp>
+          <p:nvSpPr>
+            <p:cNvPr id="12" name="직사각형 11">
+              <a:extLst>
+                <a:ext uri="{FF2B5EF4-FFF2-40B4-BE49-F238E27FC236}">
+                  <a16:creationId xmlns:a16="http://schemas.microsoft.com/office/drawing/2014/main" id="{64349210-D244-496A-A434-EF6086D02115}"/>
+                </a:ext>
+              </a:extLst>
+            </p:cNvPr>
+            <p:cNvSpPr/>
+            <p:nvPr/>
+          </p:nvSpPr>
+          <p:spPr>
+            <a:xfrm>
+              <a:off x="905273" y="3851068"/>
+              <a:ext cx="4470512" cy="307777"/>
+            </a:xfrm>
+            <a:prstGeom prst="rect">
+              <a:avLst/>
+            </a:prstGeom>
+          </p:spPr>
+          <p:txBody>
+            <a:bodyPr wrap="square">
+              <a:spAutoFit/>
+            </a:bodyPr>
+            <a:lstStyle/>
+            <a:p>
+              <a:r>
+                <a:rPr lang="en-US" altLang="ko-KR" sz="1400" dirty="0"/>
+                <a:t>views.py</a:t>
+              </a:r>
+            </a:p>
+          </p:txBody>
+        </p:sp>
+      </p:grpSp>
+      <p:pic>
+        <p:nvPicPr>
+          <p:cNvPr id="13" name="그림 12">
+            <a:extLst>
+              <a:ext uri="{FF2B5EF4-FFF2-40B4-BE49-F238E27FC236}">
+                <a16:creationId xmlns:a16="http://schemas.microsoft.com/office/drawing/2014/main" id="{4E530E17-48B0-4CAD-9217-5517D499E813}"/>
+              </a:ext>
+            </a:extLst>
+          </p:cNvPr>
+          <p:cNvPicPr>
+            <a:picLocks noChangeAspect="1"/>
+          </p:cNvPicPr>
+          <p:nvPr/>
+        </p:nvPicPr>
+        <p:blipFill>
+          <a:blip r:embed="rId4"/>
+          <a:stretch>
+            <a:fillRect/>
+          </a:stretch>
+        </p:blipFill>
+        <p:spPr>
+          <a:xfrm>
+            <a:off x="4081366" y="2138561"/>
+            <a:ext cx="3215196" cy="3505837"/>
           </a:xfrm>
           <a:prstGeom prst="rect">
             <a:avLst/>
@@ -6388,7 +7488,7 @@
     </p:spTree>
     <p:extLst>
       <p:ext uri="{BB962C8B-B14F-4D97-AF65-F5344CB8AC3E}">
-        <p14:creationId xmlns:p14="http://schemas.microsoft.com/office/powerpoint/2010/main" val="3743687108"/>
+        <p14:creationId xmlns:p14="http://schemas.microsoft.com/office/powerpoint/2010/main" val="2922463898"/>
       </p:ext>
     </p:extLst>
   </p:cSld>

--- a/Study/05. Package Structure/Package Structure.pptx
+++ b/Study/05. Package Structure/Package Structure.pptx
@@ -838,7 +838,7 @@
           <a:p>
             <a:fld id="{B6FB7DCD-5BA3-48A2-BE8C-591555253DD2}" type="datetimeFigureOut">
               <a:rPr lang="ko-KR" altLang="en-US" smtClean="0"/>
-              <a:t>2020-06-28</a:t>
+              <a:t>2020-06-29</a:t>
             </a:fld>
             <a:endParaRPr lang="ko-KR" altLang="en-US"/>
           </a:p>
@@ -1089,7 +1089,7 @@
           <a:p>
             <a:fld id="{B6FB7DCD-5BA3-48A2-BE8C-591555253DD2}" type="datetimeFigureOut">
               <a:rPr lang="ko-KR" altLang="en-US" smtClean="0"/>
-              <a:t>2020-06-28</a:t>
+              <a:t>2020-06-29</a:t>
             </a:fld>
             <a:endParaRPr lang="ko-KR" altLang="en-US"/>
           </a:p>
@@ -1403,7 +1403,7 @@
           <a:p>
             <a:fld id="{B6FB7DCD-5BA3-48A2-BE8C-591555253DD2}" type="datetimeFigureOut">
               <a:rPr lang="ko-KR" altLang="en-US" smtClean="0"/>
-              <a:t>2020-06-28</a:t>
+              <a:t>2020-06-29</a:t>
             </a:fld>
             <a:endParaRPr lang="ko-KR" altLang="en-US"/>
           </a:p>
@@ -1744,7 +1744,7 @@
           <a:p>
             <a:fld id="{B6FB7DCD-5BA3-48A2-BE8C-591555253DD2}" type="datetimeFigureOut">
               <a:rPr lang="ko-KR" altLang="en-US" smtClean="0"/>
-              <a:t>2020-06-28</a:t>
+              <a:t>2020-06-29</a:t>
             </a:fld>
             <a:endParaRPr lang="ko-KR" altLang="en-US"/>
           </a:p>
@@ -2058,7 +2058,7 @@
           <a:p>
             <a:fld id="{B6FB7DCD-5BA3-48A2-BE8C-591555253DD2}" type="datetimeFigureOut">
               <a:rPr lang="ko-KR" altLang="en-US" smtClean="0"/>
-              <a:t>2020-06-28</a:t>
+              <a:t>2020-06-29</a:t>
             </a:fld>
             <a:endParaRPr lang="ko-KR" altLang="en-US"/>
           </a:p>
@@ -2451,7 +2451,7 @@
           <a:p>
             <a:fld id="{B6FB7DCD-5BA3-48A2-BE8C-591555253DD2}" type="datetimeFigureOut">
               <a:rPr lang="ko-KR" altLang="en-US" smtClean="0"/>
-              <a:t>2020-06-28</a:t>
+              <a:t>2020-06-29</a:t>
             </a:fld>
             <a:endParaRPr lang="ko-KR" altLang="en-US"/>
           </a:p>
@@ -2621,7 +2621,7 @@
           <a:p>
             <a:fld id="{B6FB7DCD-5BA3-48A2-BE8C-591555253DD2}" type="datetimeFigureOut">
               <a:rPr lang="ko-KR" altLang="en-US" smtClean="0"/>
-              <a:t>2020-06-28</a:t>
+              <a:t>2020-06-29</a:t>
             </a:fld>
             <a:endParaRPr lang="ko-KR" altLang="en-US"/>
           </a:p>
@@ -2801,7 +2801,7 @@
           <a:p>
             <a:fld id="{B6FB7DCD-5BA3-48A2-BE8C-591555253DD2}" type="datetimeFigureOut">
               <a:rPr lang="ko-KR" altLang="en-US" smtClean="0"/>
-              <a:t>2020-06-28</a:t>
+              <a:t>2020-06-29</a:t>
             </a:fld>
             <a:endParaRPr lang="ko-KR" altLang="en-US"/>
           </a:p>
@@ -2977,7 +2977,7 @@
           <a:p>
             <a:fld id="{B6FB7DCD-5BA3-48A2-BE8C-591555253DD2}" type="datetimeFigureOut">
               <a:rPr lang="ko-KR" altLang="en-US" smtClean="0"/>
-              <a:t>2020-06-28</a:t>
+              <a:t>2020-06-29</a:t>
             </a:fld>
             <a:endParaRPr lang="ko-KR" altLang="en-US"/>
           </a:p>
@@ -3224,7 +3224,7 @@
           <a:p>
             <a:fld id="{B6FB7DCD-5BA3-48A2-BE8C-591555253DD2}" type="datetimeFigureOut">
               <a:rPr lang="ko-KR" altLang="en-US" smtClean="0"/>
-              <a:t>2020-06-28</a:t>
+              <a:t>2020-06-29</a:t>
             </a:fld>
             <a:endParaRPr lang="ko-KR" altLang="en-US"/>
           </a:p>
@@ -3456,7 +3456,7 @@
           <a:p>
             <a:fld id="{B6FB7DCD-5BA3-48A2-BE8C-591555253DD2}" type="datetimeFigureOut">
               <a:rPr lang="ko-KR" altLang="en-US" smtClean="0"/>
-              <a:t>2020-06-28</a:t>
+              <a:t>2020-06-29</a:t>
             </a:fld>
             <a:endParaRPr lang="ko-KR" altLang="en-US"/>
           </a:p>
@@ -3830,7 +3830,7 @@
           <a:p>
             <a:fld id="{B6FB7DCD-5BA3-48A2-BE8C-591555253DD2}" type="datetimeFigureOut">
               <a:rPr lang="ko-KR" altLang="en-US" smtClean="0"/>
-              <a:t>2020-06-28</a:t>
+              <a:t>2020-06-29</a:t>
             </a:fld>
             <a:endParaRPr lang="ko-KR" altLang="en-US"/>
           </a:p>
@@ -3953,7 +3953,7 @@
           <a:p>
             <a:fld id="{B6FB7DCD-5BA3-48A2-BE8C-591555253DD2}" type="datetimeFigureOut">
               <a:rPr lang="ko-KR" altLang="en-US" smtClean="0"/>
-              <a:t>2020-06-28</a:t>
+              <a:t>2020-06-29</a:t>
             </a:fld>
             <a:endParaRPr lang="ko-KR" altLang="en-US"/>
           </a:p>
@@ -4048,7 +4048,7 @@
           <a:p>
             <a:fld id="{B6FB7DCD-5BA3-48A2-BE8C-591555253DD2}" type="datetimeFigureOut">
               <a:rPr lang="ko-KR" altLang="en-US" smtClean="0"/>
-              <a:t>2020-06-28</a:t>
+              <a:t>2020-06-29</a:t>
             </a:fld>
             <a:endParaRPr lang="ko-KR" altLang="en-US"/>
           </a:p>
@@ -4303,7 +4303,7 @@
           <a:p>
             <a:fld id="{B6FB7DCD-5BA3-48A2-BE8C-591555253DD2}" type="datetimeFigureOut">
               <a:rPr lang="ko-KR" altLang="en-US" smtClean="0"/>
-              <a:t>2020-06-28</a:t>
+              <a:t>2020-06-29</a:t>
             </a:fld>
             <a:endParaRPr lang="ko-KR" altLang="en-US"/>
           </a:p>
@@ -4566,7 +4566,7 @@
           <a:p>
             <a:fld id="{B6FB7DCD-5BA3-48A2-BE8C-591555253DD2}" type="datetimeFigureOut">
               <a:rPr lang="ko-KR" altLang="en-US" smtClean="0"/>
-              <a:t>2020-06-28</a:t>
+              <a:t>2020-06-29</a:t>
             </a:fld>
             <a:endParaRPr lang="ko-KR" altLang="en-US"/>
           </a:p>
@@ -5309,7 +5309,7 @@
           <a:p>
             <a:fld id="{B6FB7DCD-5BA3-48A2-BE8C-591555253DD2}" type="datetimeFigureOut">
               <a:rPr lang="ko-KR" altLang="en-US" smtClean="0"/>
-              <a:t>2020-06-28</a:t>
+              <a:t>2020-06-29</a:t>
             </a:fld>
             <a:endParaRPr lang="ko-KR" altLang="en-US"/>
           </a:p>

--- a/Study/05. Package Structure/Package Structure.pptx
+++ b/Study/05. Package Structure/Package Structure.pptx
@@ -838,7 +838,7 @@
           <a:p>
             <a:fld id="{B6FB7DCD-5BA3-48A2-BE8C-591555253DD2}" type="datetimeFigureOut">
               <a:rPr lang="ko-KR" altLang="en-US" smtClean="0"/>
-              <a:t>2020-06-29</a:t>
+              <a:t>2020-07-06</a:t>
             </a:fld>
             <a:endParaRPr lang="ko-KR" altLang="en-US"/>
           </a:p>
@@ -1089,7 +1089,7 @@
           <a:p>
             <a:fld id="{B6FB7DCD-5BA3-48A2-BE8C-591555253DD2}" type="datetimeFigureOut">
               <a:rPr lang="ko-KR" altLang="en-US" smtClean="0"/>
-              <a:t>2020-06-29</a:t>
+              <a:t>2020-07-06</a:t>
             </a:fld>
             <a:endParaRPr lang="ko-KR" altLang="en-US"/>
           </a:p>
@@ -1403,7 +1403,7 @@
           <a:p>
             <a:fld id="{B6FB7DCD-5BA3-48A2-BE8C-591555253DD2}" type="datetimeFigureOut">
               <a:rPr lang="ko-KR" altLang="en-US" smtClean="0"/>
-              <a:t>2020-06-29</a:t>
+              <a:t>2020-07-06</a:t>
             </a:fld>
             <a:endParaRPr lang="ko-KR" altLang="en-US"/>
           </a:p>
@@ -1744,7 +1744,7 @@
           <a:p>
             <a:fld id="{B6FB7DCD-5BA3-48A2-BE8C-591555253DD2}" type="datetimeFigureOut">
               <a:rPr lang="ko-KR" altLang="en-US" smtClean="0"/>
-              <a:t>2020-06-29</a:t>
+              <a:t>2020-07-06</a:t>
             </a:fld>
             <a:endParaRPr lang="ko-KR" altLang="en-US"/>
           </a:p>
@@ -2058,7 +2058,7 @@
           <a:p>
             <a:fld id="{B6FB7DCD-5BA3-48A2-BE8C-591555253DD2}" type="datetimeFigureOut">
               <a:rPr lang="ko-KR" altLang="en-US" smtClean="0"/>
-              <a:t>2020-06-29</a:t>
+              <a:t>2020-07-06</a:t>
             </a:fld>
             <a:endParaRPr lang="ko-KR" altLang="en-US"/>
           </a:p>
@@ -2451,7 +2451,7 @@
           <a:p>
             <a:fld id="{B6FB7DCD-5BA3-48A2-BE8C-591555253DD2}" type="datetimeFigureOut">
               <a:rPr lang="ko-KR" altLang="en-US" smtClean="0"/>
-              <a:t>2020-06-29</a:t>
+              <a:t>2020-07-06</a:t>
             </a:fld>
             <a:endParaRPr lang="ko-KR" altLang="en-US"/>
           </a:p>
@@ -2621,7 +2621,7 @@
           <a:p>
             <a:fld id="{B6FB7DCD-5BA3-48A2-BE8C-591555253DD2}" type="datetimeFigureOut">
               <a:rPr lang="ko-KR" altLang="en-US" smtClean="0"/>
-              <a:t>2020-06-29</a:t>
+              <a:t>2020-07-06</a:t>
             </a:fld>
             <a:endParaRPr lang="ko-KR" altLang="en-US"/>
           </a:p>
@@ -2801,7 +2801,7 @@
           <a:p>
             <a:fld id="{B6FB7DCD-5BA3-48A2-BE8C-591555253DD2}" type="datetimeFigureOut">
               <a:rPr lang="ko-KR" altLang="en-US" smtClean="0"/>
-              <a:t>2020-06-29</a:t>
+              <a:t>2020-07-06</a:t>
             </a:fld>
             <a:endParaRPr lang="ko-KR" altLang="en-US"/>
           </a:p>
@@ -2977,7 +2977,7 @@
           <a:p>
             <a:fld id="{B6FB7DCD-5BA3-48A2-BE8C-591555253DD2}" type="datetimeFigureOut">
               <a:rPr lang="ko-KR" altLang="en-US" smtClean="0"/>
-              <a:t>2020-06-29</a:t>
+              <a:t>2020-07-06</a:t>
             </a:fld>
             <a:endParaRPr lang="ko-KR" altLang="en-US"/>
           </a:p>
@@ -3224,7 +3224,7 @@
           <a:p>
             <a:fld id="{B6FB7DCD-5BA3-48A2-BE8C-591555253DD2}" type="datetimeFigureOut">
               <a:rPr lang="ko-KR" altLang="en-US" smtClean="0"/>
-              <a:t>2020-06-29</a:t>
+              <a:t>2020-07-06</a:t>
             </a:fld>
             <a:endParaRPr lang="ko-KR" altLang="en-US"/>
           </a:p>
@@ -3456,7 +3456,7 @@
           <a:p>
             <a:fld id="{B6FB7DCD-5BA3-48A2-BE8C-591555253DD2}" type="datetimeFigureOut">
               <a:rPr lang="ko-KR" altLang="en-US" smtClean="0"/>
-              <a:t>2020-06-29</a:t>
+              <a:t>2020-07-06</a:t>
             </a:fld>
             <a:endParaRPr lang="ko-KR" altLang="en-US"/>
           </a:p>
@@ -3830,7 +3830,7 @@
           <a:p>
             <a:fld id="{B6FB7DCD-5BA3-48A2-BE8C-591555253DD2}" type="datetimeFigureOut">
               <a:rPr lang="ko-KR" altLang="en-US" smtClean="0"/>
-              <a:t>2020-06-29</a:t>
+              <a:t>2020-07-06</a:t>
             </a:fld>
             <a:endParaRPr lang="ko-KR" altLang="en-US"/>
           </a:p>
@@ -3953,7 +3953,7 @@
           <a:p>
             <a:fld id="{B6FB7DCD-5BA3-48A2-BE8C-591555253DD2}" type="datetimeFigureOut">
               <a:rPr lang="ko-KR" altLang="en-US" smtClean="0"/>
-              <a:t>2020-06-29</a:t>
+              <a:t>2020-07-06</a:t>
             </a:fld>
             <a:endParaRPr lang="ko-KR" altLang="en-US"/>
           </a:p>
@@ -4048,7 +4048,7 @@
           <a:p>
             <a:fld id="{B6FB7DCD-5BA3-48A2-BE8C-591555253DD2}" type="datetimeFigureOut">
               <a:rPr lang="ko-KR" altLang="en-US" smtClean="0"/>
-              <a:t>2020-06-29</a:t>
+              <a:t>2020-07-06</a:t>
             </a:fld>
             <a:endParaRPr lang="ko-KR" altLang="en-US"/>
           </a:p>
@@ -4303,7 +4303,7 @@
           <a:p>
             <a:fld id="{B6FB7DCD-5BA3-48A2-BE8C-591555253DD2}" type="datetimeFigureOut">
               <a:rPr lang="ko-KR" altLang="en-US" smtClean="0"/>
-              <a:t>2020-06-29</a:t>
+              <a:t>2020-07-06</a:t>
             </a:fld>
             <a:endParaRPr lang="ko-KR" altLang="en-US"/>
           </a:p>
@@ -4566,7 +4566,7 @@
           <a:p>
             <a:fld id="{B6FB7DCD-5BA3-48A2-BE8C-591555253DD2}" type="datetimeFigureOut">
               <a:rPr lang="ko-KR" altLang="en-US" smtClean="0"/>
-              <a:t>2020-06-29</a:t>
+              <a:t>2020-07-06</a:t>
             </a:fld>
             <a:endParaRPr lang="ko-KR" altLang="en-US"/>
           </a:p>
@@ -5309,7 +5309,7 @@
           <a:p>
             <a:fld id="{B6FB7DCD-5BA3-48A2-BE8C-591555253DD2}" type="datetimeFigureOut">
               <a:rPr lang="ko-KR" altLang="en-US" smtClean="0"/>
-              <a:t>2020-06-29</a:t>
+              <a:t>2020-07-06</a:t>
             </a:fld>
             <a:endParaRPr lang="ko-KR" altLang="en-US"/>
           </a:p>
@@ -6493,7 +6493,7 @@
             </a:r>
             <a:r>
               <a:rPr lang="en-US" altLang="ko-KR" sz="1400" dirty="0"/>
-              <a:t>.</a:t>
+              <a:t>.(flaskblog.py -&gt; __init__.py)</a:t>
             </a:r>
           </a:p>
           <a:p>
@@ -7320,9 +7320,9 @@
         <p:grpSpPr>
           <a:xfrm>
             <a:off x="170492" y="1984673"/>
-            <a:ext cx="4470512" cy="3659725"/>
+            <a:ext cx="4470512" cy="4005956"/>
             <a:chOff x="905273" y="1984673"/>
-            <a:chExt cx="4470512" cy="3659725"/>
+            <a:chExt cx="4470512" cy="4005956"/>
           </a:xfrm>
         </p:grpSpPr>
         <p:pic>
@@ -7377,7 +7377,7 @@
           </p:blipFill>
           <p:spPr>
             <a:xfrm>
-              <a:off x="905273" y="4174659"/>
+              <a:off x="905273" y="4520890"/>
               <a:ext cx="3486720" cy="1469739"/>
             </a:xfrm>
             <a:prstGeom prst="rect">
@@ -7434,7 +7434,7 @@
           </p:nvSpPr>
           <p:spPr>
             <a:xfrm>
-              <a:off x="905273" y="3851068"/>
+              <a:off x="905273" y="4197299"/>
               <a:ext cx="4470512" cy="307777"/>
             </a:xfrm>
             <a:prstGeom prst="rect">
